--- a/Б9121_09_03_03пикд_команда_4_презентация.pptx
+++ b/Б9121_09_03_03пикд_команда_4_презентация.pptx
@@ -122,7 +122,7 @@
       <p15:sldGuideLst xmlns:p15="http://schemas.microsoft.com/office/powerpoint/2012/main"/>
     </p:ext>
     <p:ext uri="GoogleSlidesCustomDataVersion2">
-      <go:slidesCustomData xmlns="" xmlns:mc="http://schemas.openxmlformats.org/markup-compatibility/2006" xmlns:mv="urn:schemas-microsoft-com:mac:vml" xmlns:c="http://schemas.openxmlformats.org/drawingml/2006/chart" xmlns:dgm="http://schemas.openxmlformats.org/drawingml/2006/diagram" xmlns:o="urn:schemas-microsoft-com:office:office" xmlns:v="urn:schemas-microsoft-com:vml" xmlns:pvml="urn:schemas-microsoft-com:office:powerpoint" xmlns:com="http://schemas.openxmlformats.org/drawingml/2006/compatibility" xmlns:p14="http://schemas.microsoft.com/office/powerpoint/2010/main" xmlns:p15="http://schemas.microsoft.com/office/powerpoint/2012/main" xmlns:ahyp="http://schemas.microsoft.com/office/drawing/2018/hyperlinkcolor" xmlns:go="http://customooxmlschemas.google.com/" r:id="rId16" roundtripDataSignature="AMtx7mgsnNRa7wekg/hxKeka0tUsUzPUmw=="/>
+      <go:slidesCustomData xmlns:go="http://customooxmlschemas.google.com/" xmlns:ahyp="http://schemas.microsoft.com/office/drawing/2018/hyperlinkcolor" xmlns:p15="http://schemas.microsoft.com/office/powerpoint/2012/main" xmlns:p14="http://schemas.microsoft.com/office/powerpoint/2010/main" xmlns:com="http://schemas.openxmlformats.org/drawingml/2006/compatibility" xmlns:pvml="urn:schemas-microsoft-com:office:powerpoint" xmlns:v="urn:schemas-microsoft-com:vml" xmlns:o="urn:schemas-microsoft-com:office:office" xmlns:dgm="http://schemas.openxmlformats.org/drawingml/2006/diagram" xmlns:c="http://schemas.openxmlformats.org/drawingml/2006/chart" xmlns:mv="urn:schemas-microsoft-com:mac:vml" xmlns:mc="http://schemas.openxmlformats.org/markup-compatibility/2006" xmlns="" r:id="rId16" roundtripDataSignature="AMtx7mgsnNRa7wekg/hxKeka0tUsUzPUmw=="/>
     </p:ext>
   </p:extLst>
 </p:presentation>
@@ -149,54 +149,38 @@
           <a:lstStyle/>
           <a:p>
             <a:pPr>
-              <a:defRPr sz="1862" b="0" i="0" u="none" strike="noStrike" kern="1200" spc="0" baseline="0">
-                <a:solidFill>
-                  <a:schemeClr val="tx1">
-                    <a:lumMod val="65000"/>
-                    <a:lumOff val="35000"/>
-                  </a:schemeClr>
-                </a:solidFill>
-                <a:latin typeface="+mn-lt"/>
-                <a:ea typeface="+mn-ea"/>
-                <a:cs typeface="+mn-cs"/>
-              </a:defRPr>
-            </a:pPr>
-            <a:r>
-              <a:rPr lang="ru-RU" sz="2400" dirty="0">
+              <a:defRPr sz="2000" b="0" i="0" u="none" strike="noStrike" kern="1200" spc="0" baseline="0">
                 <a:solidFill>
                   <a:schemeClr val="tx1"/>
                 </a:solidFill>
-              </a:rPr>
-              <a:t>Игровой</a:t>
-            </a:r>
-            <a:r>
-              <a:rPr lang="ru-RU" sz="2400" baseline="0" dirty="0">
+                <a:latin typeface="Times New Roman" panose="02020603050405020304" pitchFamily="18" charset="0"/>
+                <a:ea typeface="+mn-ea"/>
+                <a:cs typeface="Times New Roman" panose="02020603050405020304" pitchFamily="18" charset="0"/>
+              </a:defRPr>
+            </a:pPr>
+            <a:r>
+              <a:rPr lang="ru-RU" sz="2000" dirty="0">
                 <a:solidFill>
                   <a:schemeClr val="tx1"/>
                 </a:solidFill>
+                <a:latin typeface="Bahnschrift" panose="020B0502040204020203" pitchFamily="34" charset="0"/>
               </a:rPr>
-              <a:t> рынок</a:t>
-            </a:r>
-            <a:r>
-              <a:rPr lang="ru-RU" sz="2400" dirty="0">
+              <a:t>Игровой рынок в России </a:t>
+            </a:r>
+            <a:r>
+              <a:rPr lang="en-US" sz="2000" dirty="0">
                 <a:solidFill>
                   <a:schemeClr val="tx1"/>
                 </a:solidFill>
-              </a:rPr>
-              <a:t> в России </a:t>
-            </a:r>
-            <a:r>
-              <a:rPr lang="en-US" sz="2400" dirty="0">
-                <a:solidFill>
-                  <a:schemeClr val="tx1"/>
-                </a:solidFill>
+                <a:latin typeface="Bahnschrift" panose="020B0502040204020203" pitchFamily="34" charset="0"/>
               </a:rPr>
               <a:t>%</a:t>
             </a:r>
-            <a:endParaRPr lang="ru-RU" sz="2400" dirty="0">
+            <a:endParaRPr lang="ru-RU" sz="2000" dirty="0">
               <a:solidFill>
                 <a:schemeClr val="tx1"/>
               </a:solidFill>
+              <a:latin typeface="Bahnschrift" panose="020B0502040204020203" pitchFamily="34" charset="0"/>
             </a:endParaRPr>
           </a:p>
         </c:rich>
@@ -214,16 +198,13 @@
         <a:lstStyle/>
         <a:p>
           <a:pPr>
-            <a:defRPr sz="1862" b="0" i="0" u="none" strike="noStrike" kern="1200" spc="0" baseline="0">
+            <a:defRPr sz="2000" b="0" i="0" u="none" strike="noStrike" kern="1200" spc="0" baseline="0">
               <a:solidFill>
-                <a:schemeClr val="tx1">
-                  <a:lumMod val="65000"/>
-                  <a:lumOff val="35000"/>
-                </a:schemeClr>
+                <a:schemeClr val="tx1"/>
               </a:solidFill>
-              <a:latin typeface="+mn-lt"/>
+              <a:latin typeface="Times New Roman" panose="02020603050405020304" pitchFamily="18" charset="0"/>
               <a:ea typeface="+mn-ea"/>
-              <a:cs typeface="+mn-cs"/>
+              <a:cs typeface="Times New Roman" panose="02020603050405020304" pitchFamily="18" charset="0"/>
             </a:defRPr>
           </a:pPr>
           <a:endParaRPr lang="ru-RU"/>
@@ -254,9 +235,7 @@
             <c:bubble3D val="0"/>
             <c:spPr>
               <a:solidFill>
-                <a:schemeClr val="accent2">
-                  <a:lumMod val="75000"/>
-                </a:schemeClr>
+                <a:schemeClr val="accent1"/>
               </a:solidFill>
               <a:ln w="19050">
                 <a:solidFill>
@@ -276,9 +255,7 @@
             <c:bubble3D val="0"/>
             <c:spPr>
               <a:solidFill>
-                <a:schemeClr val="accent1">
-                  <a:lumMod val="75000"/>
-                </a:schemeClr>
+                <a:schemeClr val="accent2"/>
               </a:solidFill>
               <a:ln w="19050">
                 <a:solidFill>
@@ -298,7 +275,7 @@
             <c:bubble3D val="0"/>
             <c:spPr>
               <a:solidFill>
-                <a:srgbClr val="FF0000"/>
+                <a:schemeClr val="accent3"/>
               </a:solidFill>
               <a:ln w="19050">
                 <a:solidFill>
@@ -322,19 +299,17 @@
               <a:effectLst/>
             </c:spPr>
             <c:txPr>
-              <a:bodyPr rot="0" spcFirstLastPara="1" vertOverflow="ellipsis" vert="horz" wrap="square" lIns="38100" tIns="19050" rIns="38100" bIns="19050" anchor="ctr" anchorCtr="1">
-                <a:spAutoFit/>
-              </a:bodyPr>
+              <a:bodyPr rot="0" spcFirstLastPara="1" vertOverflow="ellipsis" vert="horz" wrap="square" anchor="ctr" anchorCtr="1"/>
               <a:lstStyle/>
               <a:p>
                 <a:pPr>
                   <a:defRPr sz="1800" b="0" i="0" u="none" strike="noStrike" kern="1200" baseline="0">
                     <a:solidFill>
-                      <a:schemeClr val="tx1"/>
+                      <a:schemeClr val="bg1"/>
                     </a:solidFill>
-                    <a:latin typeface="+mn-lt"/>
+                    <a:latin typeface="Bahnschrift" panose="020B0502040204020203" pitchFamily="34" charset="0"/>
                     <a:ea typeface="+mn-ea"/>
-                    <a:cs typeface="+mn-cs"/>
+                    <a:cs typeface="Times New Roman" panose="02020603050405020304" pitchFamily="18" charset="0"/>
                   </a:defRPr>
                 </a:pPr>
                 <a:endParaRPr lang="ru-RU"/>
@@ -442,13 +417,13 @@
         <a:lstStyle/>
         <a:p>
           <a:pPr>
-            <a:defRPr sz="2000" b="0" i="0" u="none" strike="noStrike" kern="1200" baseline="0">
+            <a:defRPr sz="1600" b="0" i="0" u="none" strike="noStrike" kern="1200" baseline="0">
               <a:solidFill>
                 <a:schemeClr val="tx1"/>
               </a:solidFill>
-              <a:latin typeface="+mn-lt"/>
+              <a:latin typeface="Bahnschrift" panose="020B0502040204020203" pitchFamily="34" charset="0"/>
               <a:ea typeface="+mn-ea"/>
-              <a:cs typeface="+mn-cs"/>
+              <a:cs typeface="Times New Roman" panose="02020603050405020304" pitchFamily="18" charset="0"/>
             </a:defRPr>
           </a:pPr>
           <a:endParaRPr lang="ru-RU"/>
@@ -478,7 +453,10 @@
     <a:lstStyle/>
     <a:p>
       <a:pPr>
-        <a:defRPr/>
+        <a:defRPr sz="1200">
+          <a:latin typeface="Times New Roman" panose="02020603050405020304" pitchFamily="18" charset="0"/>
+          <a:cs typeface="Times New Roman" panose="02020603050405020304" pitchFamily="18" charset="0"/>
+        </a:defRPr>
       </a:pPr>
       <a:endParaRPr lang="ru-RU"/>
     </a:p>
@@ -6760,8 +6738,8 @@
         </p:nvSpPr>
         <p:spPr>
           <a:xfrm>
-            <a:off x="6673739" y="4153230"/>
-            <a:ext cx="5518261" cy="2704770"/>
+            <a:off x="6281929" y="4153230"/>
+            <a:ext cx="5910072" cy="2704770"/>
           </a:xfrm>
           <a:prstGeom prst="rect">
             <a:avLst/>
@@ -6797,13 +6775,13 @@
             </a:pPr>
             <a:r>
               <a:rPr lang="ru-RU" sz="2800" dirty="0">
-                <a:latin typeface="Times New Roman" panose="02020603050405020304" pitchFamily="18" charset="0"/>
+                <a:latin typeface="Bahnschrift" panose="020B0502040204020203" pitchFamily="34" charset="0"/>
                 <a:cs typeface="Times New Roman" panose="02020603050405020304" pitchFamily="18" charset="0"/>
               </a:rPr>
               <a:t>Выполнили студенты группы</a:t>
             </a:r>
             <a:endParaRPr dirty="0">
-              <a:latin typeface="Times New Roman" panose="02020603050405020304" pitchFamily="18" charset="0"/>
+              <a:latin typeface="Bahnschrift" panose="020B0502040204020203" pitchFamily="34" charset="0"/>
               <a:cs typeface="Times New Roman" panose="02020603050405020304" pitchFamily="18" charset="0"/>
             </a:endParaRPr>
           </a:p>
@@ -6826,13 +6804,13 @@
             </a:pPr>
             <a:r>
               <a:rPr lang="ru-RU" sz="2800" dirty="0">
-                <a:latin typeface="Times New Roman" panose="02020603050405020304" pitchFamily="18" charset="0"/>
+                <a:latin typeface="Bahnschrift" panose="020B0502040204020203" pitchFamily="34" charset="0"/>
                 <a:cs typeface="Times New Roman" panose="02020603050405020304" pitchFamily="18" charset="0"/>
               </a:rPr>
               <a:t>Б9121-09.03.03пикд</a:t>
             </a:r>
             <a:endParaRPr dirty="0">
-              <a:latin typeface="Times New Roman" panose="02020603050405020304" pitchFamily="18" charset="0"/>
+              <a:latin typeface="Bahnschrift" panose="020B0502040204020203" pitchFamily="34" charset="0"/>
               <a:cs typeface="Times New Roman" panose="02020603050405020304" pitchFamily="18" charset="0"/>
             </a:endParaRPr>
           </a:p>
@@ -6855,13 +6833,13 @@
             </a:pPr>
             <a:r>
               <a:rPr lang="ru-RU" sz="2800" dirty="0">
-                <a:latin typeface="Times New Roman" panose="02020603050405020304" pitchFamily="18" charset="0"/>
+                <a:latin typeface="Bahnschrift" panose="020B0502040204020203" pitchFamily="34" charset="0"/>
                 <a:cs typeface="Times New Roman" panose="02020603050405020304" pitchFamily="18" charset="0"/>
               </a:rPr>
               <a:t>Панкратова Екатерина Денисовна</a:t>
             </a:r>
             <a:endParaRPr dirty="0">
-              <a:latin typeface="Times New Roman" panose="02020603050405020304" pitchFamily="18" charset="0"/>
+              <a:latin typeface="Bahnschrift" panose="020B0502040204020203" pitchFamily="34" charset="0"/>
               <a:cs typeface="Times New Roman" panose="02020603050405020304" pitchFamily="18" charset="0"/>
             </a:endParaRPr>
           </a:p>
@@ -6884,20 +6862,20 @@
             </a:pPr>
             <a:r>
               <a:rPr lang="ru-RU" sz="2800" dirty="0" err="1">
-                <a:latin typeface="Times New Roman" panose="02020603050405020304" pitchFamily="18" charset="0"/>
+                <a:latin typeface="Bahnschrift" panose="020B0502040204020203" pitchFamily="34" charset="0"/>
                 <a:cs typeface="Times New Roman" panose="02020603050405020304" pitchFamily="18" charset="0"/>
               </a:rPr>
               <a:t>Гриднинский</a:t>
             </a:r>
             <a:r>
               <a:rPr lang="ru-RU" sz="2800" dirty="0">
-                <a:latin typeface="Times New Roman" panose="02020603050405020304" pitchFamily="18" charset="0"/>
+                <a:latin typeface="Bahnschrift" panose="020B0502040204020203" pitchFamily="34" charset="0"/>
                 <a:cs typeface="Times New Roman" panose="02020603050405020304" pitchFamily="18" charset="0"/>
               </a:rPr>
               <a:t> Богдан Дмитриевич</a:t>
             </a:r>
             <a:endParaRPr dirty="0">
-              <a:latin typeface="Times New Roman" panose="02020603050405020304" pitchFamily="18" charset="0"/>
+              <a:latin typeface="Bahnschrift" panose="020B0502040204020203" pitchFamily="34" charset="0"/>
               <a:cs typeface="Times New Roman" panose="02020603050405020304" pitchFamily="18" charset="0"/>
             </a:endParaRPr>
           </a:p>
@@ -6920,13 +6898,13 @@
             </a:pPr>
             <a:r>
               <a:rPr lang="ru-RU" sz="2800" dirty="0">
-                <a:latin typeface="Times New Roman" panose="02020603050405020304" pitchFamily="18" charset="0"/>
+                <a:latin typeface="Bahnschrift" panose="020B0502040204020203" pitchFamily="34" charset="0"/>
                 <a:cs typeface="Times New Roman" panose="02020603050405020304" pitchFamily="18" charset="0"/>
               </a:rPr>
               <a:t>Золотов Данила Константинович</a:t>
             </a:r>
             <a:endParaRPr dirty="0">
-              <a:latin typeface="Times New Roman" panose="02020603050405020304" pitchFamily="18" charset="0"/>
+              <a:latin typeface="Bahnschrift" panose="020B0502040204020203" pitchFamily="34" charset="0"/>
               <a:cs typeface="Times New Roman" panose="02020603050405020304" pitchFamily="18" charset="0"/>
             </a:endParaRPr>
           </a:p>
@@ -6994,7 +6972,7 @@
         </p:nvSpPr>
         <p:spPr>
           <a:xfrm>
-            <a:off x="838200" y="500062"/>
+            <a:off x="838200" y="410368"/>
             <a:ext cx="10515600" cy="1325563"/>
           </a:xfrm>
           <a:prstGeom prst="rect">
@@ -7029,10 +7007,14 @@
               <a:buNone/>
             </a:pPr>
             <a:r>
-              <a:rPr lang="ru-RU" sz="6000"/>
+              <a:rPr lang="ru-RU" sz="6000" dirty="0">
+                <a:latin typeface="Corbel" panose="020B0503020204020204" pitchFamily="34" charset="0"/>
+              </a:rPr>
               <a:t>Реализация и тестирование</a:t>
             </a:r>
-            <a:endParaRPr/>
+            <a:endParaRPr dirty="0">
+              <a:latin typeface="Corbel" panose="020B0503020204020204" pitchFamily="34" charset="0"/>
+            </a:endParaRPr>
           </a:p>
         </p:txBody>
       </p:sp>
@@ -7047,6 +7029,10 @@
           </p:nvPr>
         </p:nvSpPr>
         <p:spPr>
+          <a:xfrm>
+            <a:off x="838200" y="1523873"/>
+            <a:ext cx="10515600" cy="4351338"/>
+          </a:xfrm>
           <a:prstGeom prst="rect">
             <a:avLst/>
           </a:prstGeom>
@@ -7063,7 +7049,7 @@
           <a:p>
             <a:pPr marL="228600" lvl="0" indent="-228600" algn="l" rtl="0">
               <a:lnSpc>
-                <a:spcPct val="90000"/>
+                <a:spcPct val="200000"/>
               </a:lnSpc>
               <a:spcBef>
                 <a:spcPts val="0"/>
@@ -7078,10 +7064,11 @@
               <a:buChar char="•"/>
             </a:pPr>
             <a:r>
-              <a:rPr lang="ru-RU" sz="3200"/>
-              <a:t>~ 2800 строк кода</a:t>
-            </a:r>
-            <a:endParaRPr/>
+              <a:rPr lang="ru-RU" sz="3200" dirty="0">
+                <a:latin typeface="Bahnschrift" panose="020B0502040204020203" pitchFamily="34" charset="0"/>
+              </a:rPr>
+              <a:t>~ 3000 строк кода</a:t>
+            </a:r>
           </a:p>
           <a:p>
             <a:pPr marL="228600" lvl="0" indent="-228600" algn="l" rtl="0">
@@ -7101,10 +7088,14 @@
               <a:buChar char="•"/>
             </a:pPr>
             <a:r>
-              <a:rPr lang="ru-RU" sz="3200"/>
+              <a:rPr lang="ru-RU" sz="3200" dirty="0">
+                <a:latin typeface="Bahnschrift" panose="020B0502040204020203" pitchFamily="34" charset="0"/>
+              </a:rPr>
               <a:t>~ 40 спрайтов</a:t>
             </a:r>
-            <a:endParaRPr/>
+            <a:endParaRPr dirty="0">
+              <a:latin typeface="Bahnschrift" panose="020B0502040204020203" pitchFamily="34" charset="0"/>
+            </a:endParaRPr>
           </a:p>
           <a:p>
             <a:pPr marL="228600" lvl="0" indent="-228600" algn="l" rtl="0">
@@ -7124,10 +7115,14 @@
               <a:buChar char="•"/>
             </a:pPr>
             <a:r>
-              <a:rPr lang="ru-RU" sz="3200"/>
+              <a:rPr lang="ru-RU" sz="3200" dirty="0">
+                <a:latin typeface="Bahnschrift" panose="020B0502040204020203" pitchFamily="34" charset="0"/>
+              </a:rPr>
               <a:t>2 локации</a:t>
             </a:r>
-            <a:endParaRPr/>
+            <a:endParaRPr dirty="0">
+              <a:latin typeface="Bahnschrift" panose="020B0502040204020203" pitchFamily="34" charset="0"/>
+            </a:endParaRPr>
           </a:p>
           <a:p>
             <a:pPr marL="228600" lvl="0" indent="-228600" algn="l" rtl="0">
@@ -7147,10 +7142,14 @@
               <a:buChar char="•"/>
             </a:pPr>
             <a:r>
-              <a:rPr lang="ru-RU" sz="3200"/>
+              <a:rPr lang="ru-RU" sz="3200" dirty="0">
+                <a:latin typeface="Bahnschrift" panose="020B0502040204020203" pitchFamily="34" charset="0"/>
+              </a:rPr>
               <a:t>Меню и интерфейс</a:t>
             </a:r>
-            <a:endParaRPr/>
+            <a:endParaRPr dirty="0">
+              <a:latin typeface="Bahnschrift" panose="020B0502040204020203" pitchFamily="34" charset="0"/>
+            </a:endParaRPr>
           </a:p>
           <a:p>
             <a:pPr marL="228600" lvl="0" indent="-228600" algn="l" rtl="0">
@@ -7170,10 +7169,14 @@
               <a:buChar char="•"/>
             </a:pPr>
             <a:r>
-              <a:rPr lang="ru-RU" sz="3200"/>
+              <a:rPr lang="ru-RU" sz="3200" dirty="0">
+                <a:latin typeface="Bahnschrift" panose="020B0502040204020203" pitchFamily="34" charset="0"/>
+              </a:rPr>
               <a:t>~ 80 коммитов</a:t>
             </a:r>
-            <a:endParaRPr/>
+            <a:endParaRPr dirty="0">
+              <a:latin typeface="Bahnschrift" panose="020B0502040204020203" pitchFamily="34" charset="0"/>
+            </a:endParaRPr>
           </a:p>
         </p:txBody>
       </p:sp>
@@ -7264,7 +7267,7 @@
         </p:nvSpPr>
         <p:spPr>
           <a:xfrm>
-            <a:off x="838200" y="500062"/>
+            <a:off x="838200" y="410368"/>
             <a:ext cx="10515600" cy="1325563"/>
           </a:xfrm>
           <a:prstGeom prst="rect">
@@ -7299,10 +7302,14 @@
               <a:buNone/>
             </a:pPr>
             <a:r>
-              <a:rPr lang="ru-RU" sz="6000"/>
+              <a:rPr lang="ru-RU" sz="6000" dirty="0">
+                <a:latin typeface="Corbel" panose="020B0503020204020204" pitchFamily="34" charset="0"/>
+              </a:rPr>
               <a:t>Заключение</a:t>
             </a:r>
-            <a:endParaRPr/>
+            <a:endParaRPr dirty="0">
+              <a:latin typeface="Corbel" panose="020B0503020204020204" pitchFamily="34" charset="0"/>
+            </a:endParaRPr>
           </a:p>
         </p:txBody>
       </p:sp>
@@ -7348,10 +7355,14 @@
               <a:buNone/>
             </a:pPr>
             <a:r>
-              <a:rPr lang="ru-RU" sz="3200"/>
+              <a:rPr lang="ru-RU" sz="3200" dirty="0">
+                <a:latin typeface="Bahnschrift" panose="020B0502040204020203" pitchFamily="34" charset="0"/>
+              </a:rPr>
               <a:t>В результате разработки было создано:</a:t>
             </a:r>
-            <a:endParaRPr/>
+            <a:endParaRPr dirty="0">
+              <a:latin typeface="Bahnschrift" panose="020B0502040204020203" pitchFamily="34" charset="0"/>
+            </a:endParaRPr>
           </a:p>
           <a:p>
             <a:pPr marL="228600" lvl="0" indent="-228600" algn="l" rtl="0">
@@ -7371,10 +7382,32 @@
               <a:buChar char="•"/>
             </a:pPr>
             <a:r>
-              <a:rPr lang="ru-RU" sz="3200"/>
-              <a:t>2D игра «Respiration» с видом сверху в жанре roguelike</a:t>
-            </a:r>
-            <a:endParaRPr sz="3200"/>
+              <a:rPr lang="ru-RU" sz="3200" dirty="0">
+                <a:latin typeface="Bahnschrift" panose="020B0502040204020203" pitchFamily="34" charset="0"/>
+              </a:rPr>
+              <a:t>2D игра «</a:t>
+            </a:r>
+            <a:r>
+              <a:rPr lang="ru-RU" sz="3200" dirty="0" err="1">
+                <a:latin typeface="Bahnschrift" panose="020B0502040204020203" pitchFamily="34" charset="0"/>
+              </a:rPr>
+              <a:t>Respiration</a:t>
+            </a:r>
+            <a:r>
+              <a:rPr lang="ru-RU" sz="3200" dirty="0">
+                <a:latin typeface="Bahnschrift" panose="020B0502040204020203" pitchFamily="34" charset="0"/>
+              </a:rPr>
+              <a:t>» с видом сверху в жанре </a:t>
+            </a:r>
+            <a:r>
+              <a:rPr lang="ru-RU" sz="3200" dirty="0" err="1">
+                <a:latin typeface="Bahnschrift" panose="020B0502040204020203" pitchFamily="34" charset="0"/>
+              </a:rPr>
+              <a:t>roguelike</a:t>
+            </a:r>
+            <a:endParaRPr sz="3200" dirty="0">
+              <a:latin typeface="Bahnschrift" panose="020B0502040204020203" pitchFamily="34" charset="0"/>
+            </a:endParaRPr>
           </a:p>
           <a:p>
             <a:pPr marL="228600" lvl="0" indent="-228600" algn="l" rtl="0">
@@ -7394,10 +7427,11 @@
               <a:buChar char="•"/>
             </a:pPr>
             <a:r>
-              <a:rPr lang="ru-RU" sz="3200"/>
+              <a:rPr lang="ru-RU" sz="3200" dirty="0">
+                <a:latin typeface="Bahnschrift" panose="020B0502040204020203" pitchFamily="34" charset="0"/>
+              </a:rPr>
               <a:t>Генерация уровней</a:t>
             </a:r>
-            <a:endParaRPr/>
           </a:p>
           <a:p>
             <a:pPr marL="228600" lvl="0" indent="-228600" algn="l" rtl="0">
@@ -7417,10 +7451,11 @@
               <a:buChar char="•"/>
             </a:pPr>
             <a:r>
-              <a:rPr lang="ru-RU" sz="3200"/>
-              <a:t>Спрайты персонажей, фона, предметов, оружия</a:t>
-            </a:r>
-            <a:endParaRPr/>
+              <a:rPr lang="ru-RU" sz="3200" dirty="0">
+                <a:latin typeface="Bahnschrift" panose="020B0502040204020203" pitchFamily="34" charset="0"/>
+              </a:rPr>
+              <a:t>Алгоритм поиска пути</a:t>
+            </a:r>
           </a:p>
           <a:p>
             <a:pPr marL="228600" lvl="0" indent="-228600" algn="l" rtl="0">
@@ -7440,10 +7475,41 @@
               <a:buChar char="•"/>
             </a:pPr>
             <a:r>
-              <a:rPr lang="ru-RU" sz="3200"/>
+              <a:rPr lang="ru-RU" sz="3200" dirty="0">
+                <a:latin typeface="Bahnschrift" panose="020B0502040204020203" pitchFamily="34" charset="0"/>
+              </a:rPr>
+              <a:t>Спрайты персонажей, фона, предметов, оружия</a:t>
+            </a:r>
+            <a:endParaRPr dirty="0">
+              <a:latin typeface="Bahnschrift" panose="020B0502040204020203" pitchFamily="34" charset="0"/>
+            </a:endParaRPr>
+          </a:p>
+          <a:p>
+            <a:pPr marL="228600" lvl="0" indent="-228600" algn="l" rtl="0">
+              <a:lnSpc>
+                <a:spcPct val="90000"/>
+              </a:lnSpc>
+              <a:spcBef>
+                <a:spcPts val="1000"/>
+              </a:spcBef>
+              <a:spcAft>
+                <a:spcPts val="0"/>
+              </a:spcAft>
+              <a:buClr>
+                <a:schemeClr val="dk1"/>
+              </a:buClr>
+              <a:buSzPts val="3200"/>
+              <a:buChar char="•"/>
+            </a:pPr>
+            <a:r>
+              <a:rPr lang="ru-RU" sz="3200" dirty="0">
+                <a:latin typeface="Bahnschrift" panose="020B0502040204020203" pitchFamily="34" charset="0"/>
+              </a:rPr>
               <a:t>Переход между уровнями со сменой угла обзора</a:t>
             </a:r>
-            <a:endParaRPr/>
+            <a:endParaRPr dirty="0">
+              <a:latin typeface="Bahnschrift" panose="020B0502040204020203" pitchFamily="34" charset="0"/>
+            </a:endParaRPr>
           </a:p>
         </p:txBody>
       </p:sp>
@@ -7599,7 +7665,7 @@
         <p:spPr>
           <a:xfrm>
             <a:off x="604520" y="1803005"/>
-            <a:ext cx="3968684" cy="493369"/>
+            <a:ext cx="4452112" cy="493369"/>
           </a:xfrm>
           <a:prstGeom prst="rect">
             <a:avLst/>
@@ -7632,18 +7698,26 @@
               <a:buNone/>
             </a:pPr>
             <a:r>
-              <a:rPr lang="ru-RU" sz="3200" dirty="0"/>
+              <a:rPr lang="ru-RU" sz="3200" dirty="0">
+                <a:latin typeface="Bahnschrift" panose="020B0502040204020203" pitchFamily="34" charset="0"/>
+              </a:rPr>
               <a:t>Игра </a:t>
             </a:r>
             <a:r>
-              <a:rPr lang="ru-RU" sz="3200" dirty="0" err="1"/>
+              <a:rPr lang="ru-RU" sz="3200" dirty="0" err="1">
+                <a:latin typeface="Bahnschrift" panose="020B0502040204020203" pitchFamily="34" charset="0"/>
+              </a:rPr>
               <a:t>Rogue</a:t>
             </a:r>
             <a:r>
-              <a:rPr lang="ru-RU" sz="3200" dirty="0"/>
+              <a:rPr lang="ru-RU" sz="3200" dirty="0">
+                <a:latin typeface="Bahnschrift" panose="020B0502040204020203" pitchFamily="34" charset="0"/>
+              </a:rPr>
               <a:t> (1980 год)</a:t>
             </a:r>
-            <a:endParaRPr dirty="0"/>
+            <a:endParaRPr dirty="0">
+              <a:latin typeface="Bahnschrift" panose="020B0502040204020203" pitchFamily="34" charset="0"/>
+            </a:endParaRPr>
           </a:p>
         </p:txBody>
       </p:sp>
@@ -7737,7 +7811,7 @@
           <p:nvPr>
             <p:extLst>
               <p:ext uri="{D42A27DB-BD31-4B8C-83A1-F6EECF244321}">
-                <p14:modId xmlns:p14="http://schemas.microsoft.com/office/powerpoint/2010/main" val="3843953620"/>
+                <p14:modId xmlns:p14="http://schemas.microsoft.com/office/powerpoint/2010/main" val="2538827503"/>
               </p:ext>
             </p:extLst>
           </p:nvPr>
@@ -7915,7 +7989,7 @@
         </p:nvSpPr>
         <p:spPr>
           <a:xfrm>
-            <a:off x="838200" y="500062"/>
+            <a:off x="445008" y="249013"/>
             <a:ext cx="10515600" cy="1325563"/>
           </a:xfrm>
           <a:prstGeom prst="rect">
@@ -7950,10 +8024,14 @@
               <a:buNone/>
             </a:pPr>
             <a:r>
-              <a:rPr lang="ru-RU" sz="6000"/>
+              <a:rPr lang="ru-RU" sz="6000" dirty="0">
+                <a:latin typeface="Corbel" panose="020B0503020204020204" pitchFamily="34" charset="0"/>
+              </a:rPr>
               <a:t>Характеристики игры</a:t>
             </a:r>
-            <a:endParaRPr/>
+            <a:endParaRPr dirty="0">
+              <a:latin typeface="Corbel" panose="020B0503020204020204" pitchFamily="34" charset="0"/>
+            </a:endParaRPr>
           </a:p>
         </p:txBody>
       </p:sp>
@@ -7969,8 +8047,8 @@
         </p:nvSpPr>
         <p:spPr>
           <a:xfrm>
-            <a:off x="838200" y="1825624"/>
-            <a:ext cx="6134100" cy="4532313"/>
+            <a:off x="701040" y="1574576"/>
+            <a:ext cx="6568440" cy="4532313"/>
           </a:xfrm>
           <a:prstGeom prst="rect">
             <a:avLst/>
@@ -8003,10 +8081,14 @@
               <a:buChar char="•"/>
             </a:pPr>
             <a:r>
-              <a:rPr lang="ru-RU" sz="3200"/>
+              <a:rPr lang="ru-RU" sz="3200" dirty="0">
+                <a:latin typeface="Bahnschrift" panose="020B0502040204020203" pitchFamily="34" charset="0"/>
+              </a:rPr>
               <a:t>2D игра с видом сверху</a:t>
             </a:r>
-            <a:endParaRPr/>
+            <a:endParaRPr dirty="0">
+              <a:latin typeface="Bahnschrift" panose="020B0502040204020203" pitchFamily="34" charset="0"/>
+            </a:endParaRPr>
           </a:p>
           <a:p>
             <a:pPr marL="228600" lvl="0" indent="-228600" algn="l" rtl="0">
@@ -8026,10 +8108,26 @@
               <a:buChar char="•"/>
             </a:pPr>
             <a:r>
-              <a:rPr lang="ru-RU" sz="3200"/>
-              <a:t>Жанр roguelike </a:t>
-            </a:r>
-            <a:endParaRPr/>
+              <a:rPr lang="ru-RU" sz="3200" dirty="0">
+                <a:latin typeface="Bahnschrift" panose="020B0502040204020203" pitchFamily="34" charset="0"/>
+              </a:rPr>
+              <a:t>Жанр </a:t>
+            </a:r>
+            <a:r>
+              <a:rPr lang="ru-RU" sz="3200" dirty="0" err="1">
+                <a:latin typeface="Bahnschrift" panose="020B0502040204020203" pitchFamily="34" charset="0"/>
+              </a:rPr>
+              <a:t>roguelike</a:t>
+            </a:r>
+            <a:r>
+              <a:rPr lang="ru-RU" sz="3200" dirty="0">
+                <a:latin typeface="Bahnschrift" panose="020B0502040204020203" pitchFamily="34" charset="0"/>
+              </a:rPr>
+              <a:t> </a:t>
+            </a:r>
+            <a:endParaRPr dirty="0">
+              <a:latin typeface="Bahnschrift" panose="020B0502040204020203" pitchFamily="34" charset="0"/>
+            </a:endParaRPr>
           </a:p>
           <a:p>
             <a:pPr marL="228600" lvl="0" indent="-228600" algn="l" rtl="0">
@@ -8049,10 +8147,32 @@
               <a:buChar char="•"/>
             </a:pPr>
             <a:r>
-              <a:rPr lang="ru-RU" sz="3200"/>
-              <a:t>Графика в стиле pixel art</a:t>
-            </a:r>
-            <a:endParaRPr sz="3200"/>
+              <a:rPr lang="ru-RU" sz="3200" dirty="0">
+                <a:latin typeface="Bahnschrift" panose="020B0502040204020203" pitchFamily="34" charset="0"/>
+              </a:rPr>
+              <a:t>Графика в стиле </a:t>
+            </a:r>
+            <a:r>
+              <a:rPr lang="ru-RU" sz="3200" dirty="0" err="1">
+                <a:latin typeface="Bahnschrift" panose="020B0502040204020203" pitchFamily="34" charset="0"/>
+              </a:rPr>
+              <a:t>pixel</a:t>
+            </a:r>
+            <a:r>
+              <a:rPr lang="ru-RU" sz="3200" dirty="0">
+                <a:latin typeface="Bahnschrift" panose="020B0502040204020203" pitchFamily="34" charset="0"/>
+              </a:rPr>
+              <a:t> </a:t>
+            </a:r>
+            <a:r>
+              <a:rPr lang="ru-RU" sz="3200" dirty="0" err="1">
+                <a:latin typeface="Bahnschrift" panose="020B0502040204020203" pitchFamily="34" charset="0"/>
+              </a:rPr>
+              <a:t>art</a:t>
+            </a:r>
+            <a:endParaRPr sz="3200" dirty="0">
+              <a:latin typeface="Bahnschrift" panose="020B0502040204020203" pitchFamily="34" charset="0"/>
+            </a:endParaRPr>
           </a:p>
           <a:p>
             <a:pPr marL="228600" lvl="0" indent="-228600" algn="l" rtl="0">
@@ -8072,10 +8192,14 @@
               <a:buChar char="•"/>
             </a:pPr>
             <a:r>
-              <a:rPr lang="ru-RU" sz="3200"/>
+              <a:rPr lang="ru-RU" sz="3200" dirty="0">
+                <a:latin typeface="Bahnschrift" panose="020B0502040204020203" pitchFamily="34" charset="0"/>
+              </a:rPr>
               <a:t>Генерируемые игровые уровни</a:t>
             </a:r>
-            <a:endParaRPr/>
+            <a:endParaRPr dirty="0">
+              <a:latin typeface="Bahnschrift" panose="020B0502040204020203" pitchFamily="34" charset="0"/>
+            </a:endParaRPr>
           </a:p>
           <a:p>
             <a:pPr marL="228600" lvl="0" indent="-228600" algn="l" rtl="0">
@@ -8095,10 +8219,14 @@
               <a:buChar char="•"/>
             </a:pPr>
             <a:r>
-              <a:rPr lang="ru-RU" sz="3200"/>
+              <a:rPr lang="ru-RU" sz="3200" dirty="0">
+                <a:latin typeface="Bahnschrift" panose="020B0502040204020203" pitchFamily="34" charset="0"/>
+              </a:rPr>
               <a:t>«Перманентная смерть»</a:t>
             </a:r>
-            <a:endParaRPr/>
+            <a:endParaRPr dirty="0">
+              <a:latin typeface="Bahnschrift" panose="020B0502040204020203" pitchFamily="34" charset="0"/>
+            </a:endParaRPr>
           </a:p>
           <a:p>
             <a:pPr marL="228600" lvl="0" indent="-228600" algn="l" rtl="0">
@@ -8118,10 +8246,14 @@
               <a:buChar char="•"/>
             </a:pPr>
             <a:r>
-              <a:rPr lang="ru-RU" sz="3200"/>
+              <a:rPr lang="ru-RU" sz="3200" dirty="0">
+                <a:latin typeface="Bahnschrift" panose="020B0502040204020203" pitchFamily="34" charset="0"/>
+              </a:rPr>
               <a:t>Механика перемещения между локациями со сменой точки угла обзора</a:t>
             </a:r>
-            <a:endParaRPr/>
+            <a:endParaRPr dirty="0">
+              <a:latin typeface="Bahnschrift" panose="020B0502040204020203" pitchFamily="34" charset="0"/>
+            </a:endParaRPr>
           </a:p>
           <a:p>
             <a:pPr marL="228600" lvl="0" indent="-228600" algn="l" rtl="0">
@@ -8141,10 +8273,14 @@
               <a:buChar char="•"/>
             </a:pPr>
             <a:r>
-              <a:rPr lang="ru-RU" sz="3200"/>
+              <a:rPr lang="ru-RU" sz="3200" dirty="0">
+                <a:latin typeface="Bahnschrift" panose="020B0502040204020203" pitchFamily="34" charset="0"/>
+              </a:rPr>
               <a:t>Дополнительные инструменты</a:t>
             </a:r>
-            <a:endParaRPr/>
+            <a:endParaRPr dirty="0">
+              <a:latin typeface="Bahnschrift" panose="020B0502040204020203" pitchFamily="34" charset="0"/>
+            </a:endParaRPr>
           </a:p>
         </p:txBody>
       </p:sp>
@@ -8378,10 +8514,14 @@
               <a:buNone/>
             </a:pPr>
             <a:r>
-              <a:rPr lang="ru-RU" sz="6000"/>
+              <a:rPr lang="ru-RU" sz="6000" dirty="0">
+                <a:latin typeface="Corbel" panose="020B0503020204020204" pitchFamily="34" charset="0"/>
+              </a:rPr>
               <a:t>Сущности игры</a:t>
             </a:r>
-            <a:endParaRPr/>
+            <a:endParaRPr dirty="0">
+              <a:latin typeface="Corbel" panose="020B0503020204020204" pitchFamily="34" charset="0"/>
+            </a:endParaRPr>
           </a:p>
         </p:txBody>
       </p:sp>
@@ -8687,10 +8827,14 @@
               <a:buNone/>
             </a:pPr>
             <a:r>
-              <a:rPr lang="ru-RU" sz="6000"/>
+              <a:rPr lang="ru-RU" sz="6000" dirty="0">
+                <a:latin typeface="Corbel" panose="020B0503020204020204" pitchFamily="34" charset="0"/>
+              </a:rPr>
               <a:t>Генерация уровней</a:t>
             </a:r>
-            <a:endParaRPr/>
+            <a:endParaRPr dirty="0">
+              <a:latin typeface="Corbel" panose="020B0503020204020204" pitchFamily="34" charset="0"/>
+            </a:endParaRPr>
           </a:p>
         </p:txBody>
       </p:sp>
@@ -8740,10 +8884,26 @@
               <a:buChar char="•"/>
             </a:pPr>
             <a:r>
-              <a:rPr lang="ru-RU" sz="3200"/>
-              <a:t>Размер карты уровня (от 112 до 336 плиток, размер одной плитки 32х32 пикселя)</a:t>
-            </a:r>
-            <a:endParaRPr/>
+              <a:rPr lang="ru-RU" sz="3200" dirty="0">
+                <a:latin typeface="Bahnschrift" panose="020B0502040204020203" pitchFamily="34" charset="0"/>
+              </a:rPr>
+              <a:t>Размер карты уровня (от </a:t>
+            </a:r>
+            <a:r>
+              <a:rPr lang="en-US" sz="3200" dirty="0">
+                <a:latin typeface="Bahnschrift" panose="020B0502040204020203" pitchFamily="34" charset="0"/>
+              </a:rPr>
+              <a:t>14x8</a:t>
+            </a:r>
+            <a:r>
+              <a:rPr lang="ru-RU" sz="3200" dirty="0">
+                <a:latin typeface="Bahnschrift" panose="020B0502040204020203" pitchFamily="34" charset="0"/>
+              </a:rPr>
+              <a:t> до бесконечности плиток, размер одной плитки 32х32 пикселя)</a:t>
+            </a:r>
+            <a:endParaRPr dirty="0">
+              <a:latin typeface="Bahnschrift" panose="020B0502040204020203" pitchFamily="34" charset="0"/>
+            </a:endParaRPr>
           </a:p>
           <a:p>
             <a:pPr marL="228600" lvl="0" indent="-228600" algn="l" rtl="0">
@@ -8763,10 +8923,14 @@
               <a:buChar char="•"/>
             </a:pPr>
             <a:r>
-              <a:rPr lang="ru-RU" sz="3200"/>
+              <a:rPr lang="ru-RU" sz="3200" dirty="0">
+                <a:latin typeface="Bahnschrift" panose="020B0502040204020203" pitchFamily="34" charset="0"/>
+              </a:rPr>
               <a:t>Расположение препятствий</a:t>
             </a:r>
-            <a:endParaRPr/>
+            <a:endParaRPr dirty="0">
+              <a:latin typeface="Bahnschrift" panose="020B0502040204020203" pitchFamily="34" charset="0"/>
+            </a:endParaRPr>
           </a:p>
           <a:p>
             <a:pPr marL="228600" lvl="0" indent="-228600" algn="l" rtl="0">
@@ -8786,10 +8950,14 @@
               <a:buChar char="•"/>
             </a:pPr>
             <a:r>
-              <a:rPr lang="ru-RU" sz="3200"/>
-              <a:t>Количество врагов (от 0 до 250) и их расположение</a:t>
-            </a:r>
-            <a:endParaRPr/>
+              <a:rPr lang="ru-RU" sz="3200" dirty="0">
+                <a:latin typeface="Bahnschrift" panose="020B0502040204020203" pitchFamily="34" charset="0"/>
+              </a:rPr>
+              <a:t>Количество врагов (от 0 до бесконечности) и их расположение</a:t>
+            </a:r>
+            <a:endParaRPr dirty="0">
+              <a:latin typeface="Bahnschrift" panose="020B0502040204020203" pitchFamily="34" charset="0"/>
+            </a:endParaRPr>
           </a:p>
         </p:txBody>
       </p:sp>
@@ -8880,7 +9048,7 @@
         </p:nvSpPr>
         <p:spPr>
           <a:xfrm>
-            <a:off x="286648" y="195124"/>
+            <a:off x="286648" y="167057"/>
             <a:ext cx="10719063" cy="663051"/>
           </a:xfrm>
           <a:prstGeom prst="rect">
@@ -8915,10 +9083,20 @@
               <a:buNone/>
             </a:pPr>
             <a:r>
-              <a:rPr lang="ru-RU" sz="4800"/>
-              <a:t>Примеры игр жанра roguelike</a:t>
-            </a:r>
-            <a:endParaRPr sz="4800"/>
+              <a:rPr lang="ru-RU" sz="4800" dirty="0">
+                <a:latin typeface="Corbel" panose="020B0503020204020204" pitchFamily="34" charset="0"/>
+              </a:rPr>
+              <a:t>Примеры игр жанра </a:t>
+            </a:r>
+            <a:r>
+              <a:rPr lang="ru-RU" sz="4800" dirty="0" err="1">
+                <a:latin typeface="Corbel" panose="020B0503020204020204" pitchFamily="34" charset="0"/>
+              </a:rPr>
+              <a:t>roguelike</a:t>
+            </a:r>
+            <a:endParaRPr sz="4800" dirty="0">
+              <a:latin typeface="Corbel" panose="020B0503020204020204" pitchFamily="34" charset="0"/>
+            </a:endParaRPr>
           </a:p>
         </p:txBody>
       </p:sp>
@@ -8947,7 +9125,7 @@
         </p:spPr>
         <p:txBody>
           <a:bodyPr spcFirstLastPara="1" wrap="square" lIns="91425" tIns="45700" rIns="91425" bIns="45700" anchor="t" anchorCtr="0">
-            <a:normAutofit/>
+            <a:normAutofit fontScale="92500"/>
           </a:bodyPr>
           <a:lstStyle/>
           <a:p>
@@ -8968,10 +9146,44 @@
               <a:buNone/>
             </a:pPr>
             <a:r>
-              <a:rPr lang="ru-RU" sz="3200"/>
-              <a:t>The binding of Isaac</a:t>
-            </a:r>
-            <a:endParaRPr sz="3200"/>
+              <a:rPr lang="ru-RU" sz="3200" dirty="0">
+                <a:latin typeface="Bahnschrift" panose="020B0502040204020203" pitchFamily="34" charset="0"/>
+              </a:rPr>
+              <a:t>The </a:t>
+            </a:r>
+            <a:r>
+              <a:rPr lang="ru-RU" sz="3200" dirty="0" err="1">
+                <a:latin typeface="Bahnschrift" panose="020B0502040204020203" pitchFamily="34" charset="0"/>
+              </a:rPr>
+              <a:t>binding</a:t>
+            </a:r>
+            <a:r>
+              <a:rPr lang="ru-RU" sz="3200" dirty="0">
+                <a:latin typeface="Bahnschrift" panose="020B0502040204020203" pitchFamily="34" charset="0"/>
+              </a:rPr>
+              <a:t> </a:t>
+            </a:r>
+            <a:r>
+              <a:rPr lang="ru-RU" sz="3200" dirty="0" err="1">
+                <a:latin typeface="Bahnschrift" panose="020B0502040204020203" pitchFamily="34" charset="0"/>
+              </a:rPr>
+              <a:t>of</a:t>
+            </a:r>
+            <a:r>
+              <a:rPr lang="ru-RU" sz="3200" dirty="0">
+                <a:latin typeface="Bahnschrift" panose="020B0502040204020203" pitchFamily="34" charset="0"/>
+              </a:rPr>
+              <a:t> </a:t>
+            </a:r>
+            <a:r>
+              <a:rPr lang="ru-RU" sz="3200" dirty="0" err="1">
+                <a:latin typeface="Bahnschrift" panose="020B0502040204020203" pitchFamily="34" charset="0"/>
+              </a:rPr>
+              <a:t>Isaac</a:t>
+            </a:r>
+            <a:endParaRPr sz="3200" dirty="0">
+              <a:latin typeface="Bahnschrift" panose="020B0502040204020203" pitchFamily="34" charset="0"/>
+            </a:endParaRPr>
           </a:p>
         </p:txBody>
       </p:sp>
@@ -9115,7 +9327,7 @@
         <p:spPr>
           <a:xfrm>
             <a:off x="6096000" y="845740"/>
-            <a:ext cx="2789353" cy="584775"/>
+            <a:ext cx="3468624" cy="584735"/>
           </a:xfrm>
           <a:prstGeom prst="rect">
             <a:avLst/>
@@ -9141,22 +9353,46 @@
               <a:buNone/>
             </a:pPr>
             <a:r>
-              <a:rPr lang="ru-RU" sz="3200" b="0" i="0" u="none" strike="noStrike" cap="none">
+              <a:rPr lang="ru-RU" sz="3200" b="0" i="0" u="none" strike="noStrike" cap="none" dirty="0" err="1">
                 <a:solidFill>
                   <a:schemeClr val="dk1"/>
                 </a:solidFill>
-                <a:latin typeface="Calibri"/>
+                <a:latin typeface="Bahnschrift" panose="020B0502040204020203" pitchFamily="34" charset="0"/>
                 <a:ea typeface="Calibri"/>
                 <a:cs typeface="Calibri"/>
                 <a:sym typeface="Calibri"/>
               </a:rPr>
-              <a:t>Nuclear throne</a:t>
-            </a:r>
-            <a:endParaRPr sz="3200">
+              <a:t>Nuclear</a:t>
+            </a:r>
+            <a:r>
+              <a:rPr lang="ru-RU" sz="3200" b="0" i="0" u="none" strike="noStrike" cap="none" dirty="0">
+                <a:solidFill>
+                  <a:schemeClr val="dk1"/>
+                </a:solidFill>
+                <a:latin typeface="Bahnschrift" panose="020B0502040204020203" pitchFamily="34" charset="0"/>
+                <a:ea typeface="Calibri"/>
+                <a:cs typeface="Calibri"/>
+                <a:sym typeface="Calibri"/>
+              </a:rPr>
+              <a:t> </a:t>
+            </a:r>
+            <a:r>
+              <a:rPr lang="ru-RU" sz="3200" b="0" i="0" u="none" strike="noStrike" cap="none" dirty="0" err="1">
+                <a:solidFill>
+                  <a:schemeClr val="dk1"/>
+                </a:solidFill>
+                <a:latin typeface="Bahnschrift" panose="020B0502040204020203" pitchFamily="34" charset="0"/>
+                <a:ea typeface="Calibri"/>
+                <a:cs typeface="Calibri"/>
+                <a:sym typeface="Calibri"/>
+              </a:rPr>
+              <a:t>throne</a:t>
+            </a:r>
+            <a:endParaRPr sz="3200" dirty="0">
               <a:solidFill>
                 <a:schemeClr val="dk1"/>
               </a:solidFill>
-              <a:latin typeface="Calibri"/>
+              <a:latin typeface="Bahnschrift" panose="020B0502040204020203" pitchFamily="34" charset="0"/>
               <a:ea typeface="Calibri"/>
               <a:cs typeface="Calibri"/>
               <a:sym typeface="Calibri"/>
@@ -9173,7 +9409,7 @@
         <p:spPr>
           <a:xfrm>
             <a:off x="6197729" y="3576355"/>
-            <a:ext cx="2056397" cy="584775"/>
+            <a:ext cx="2516503" cy="584735"/>
           </a:xfrm>
           <a:prstGeom prst="rect">
             <a:avLst/>
@@ -9199,22 +9435,34 @@
               <a:buNone/>
             </a:pPr>
             <a:r>
-              <a:rPr lang="ru-RU" sz="3200">
+              <a:rPr lang="ru-RU" sz="3200" dirty="0" err="1">
                 <a:solidFill>
                   <a:schemeClr val="dk1"/>
                 </a:solidFill>
-                <a:latin typeface="Calibri"/>
+                <a:latin typeface="Bahnschrift" panose="020B0502040204020203" pitchFamily="34" charset="0"/>
                 <a:ea typeface="Calibri"/>
                 <a:cs typeface="Calibri"/>
                 <a:sym typeface="Calibri"/>
               </a:rPr>
-              <a:t>Soul Knight</a:t>
-            </a:r>
-            <a:endParaRPr sz="3200">
+              <a:t>Soul</a:t>
+            </a:r>
+            <a:r>
+              <a:rPr lang="ru-RU" sz="3200" dirty="0">
+                <a:solidFill>
+                  <a:schemeClr val="dk1"/>
+                </a:solidFill>
+                <a:latin typeface="Bahnschrift" panose="020B0502040204020203" pitchFamily="34" charset="0"/>
+                <a:ea typeface="Calibri"/>
+                <a:cs typeface="Calibri"/>
+                <a:sym typeface="Calibri"/>
+              </a:rPr>
+              <a:t> Knight</a:t>
+            </a:r>
+            <a:endParaRPr sz="3200" dirty="0">
               <a:solidFill>
                 <a:schemeClr val="dk1"/>
               </a:solidFill>
-              <a:latin typeface="Calibri"/>
+              <a:latin typeface="Bahnschrift" panose="020B0502040204020203" pitchFamily="34" charset="0"/>
               <a:ea typeface="Calibri"/>
               <a:cs typeface="Calibri"/>
               <a:sym typeface="Calibri"/>
@@ -9561,7 +9809,7 @@
         </p:nvSpPr>
         <p:spPr>
           <a:xfrm>
-            <a:off x="838200" y="500063"/>
+            <a:off x="673608" y="361188"/>
             <a:ext cx="10515600" cy="1247094"/>
           </a:xfrm>
           <a:prstGeom prst="rect">
@@ -9596,10 +9844,10 @@
               <a:buNone/>
             </a:pPr>
             <a:r>
-              <a:rPr lang="ru-RU" sz="6000"/>
+              <a:rPr lang="ru-RU" sz="6000" dirty="0"/>
               <a:t>Проектные решения</a:t>
             </a:r>
-            <a:endParaRPr/>
+            <a:endParaRPr dirty="0"/>
           </a:p>
         </p:txBody>
       </p:sp>
@@ -9616,7 +9864,7 @@
         <p:spPr>
           <a:xfrm>
             <a:off x="838200" y="2128787"/>
-            <a:ext cx="2574303" cy="1718853"/>
+            <a:ext cx="2755392" cy="1718853"/>
           </a:xfrm>
           <a:prstGeom prst="rect">
             <a:avLst/>
@@ -9628,7 +9876,7 @@
         </p:spPr>
         <p:txBody>
           <a:bodyPr spcFirstLastPara="1" wrap="square" lIns="91425" tIns="45700" rIns="91425" bIns="45700" anchor="t" anchorCtr="0">
-            <a:normAutofit/>
+            <a:normAutofit fontScale="92500"/>
           </a:bodyPr>
           <a:lstStyle/>
           <a:p>
@@ -9649,10 +9897,14 @@
               <a:buChar char="•"/>
             </a:pPr>
             <a:r>
-              <a:rPr lang="ru-RU" sz="3200"/>
+              <a:rPr lang="ru-RU" sz="3200" dirty="0">
+                <a:latin typeface="Bahnschrift" panose="020B0502040204020203" pitchFamily="34" charset="0"/>
+              </a:rPr>
               <a:t>С#</a:t>
             </a:r>
-            <a:endParaRPr/>
+            <a:endParaRPr dirty="0">
+              <a:latin typeface="Bahnschrift" panose="020B0502040204020203" pitchFamily="34" charset="0"/>
+            </a:endParaRPr>
           </a:p>
           <a:p>
             <a:pPr marL="228600" lvl="0" indent="-228600" algn="l" rtl="0">
@@ -9672,10 +9924,14 @@
               <a:buChar char="•"/>
             </a:pPr>
             <a:r>
-              <a:rPr lang="ru-RU" sz="3200"/>
+              <a:rPr lang="ru-RU" sz="3200" dirty="0">
+                <a:latin typeface="Bahnschrift" panose="020B0502040204020203" pitchFamily="34" charset="0"/>
+              </a:rPr>
               <a:t>Visual Studio</a:t>
             </a:r>
-            <a:endParaRPr sz="3200"/>
+            <a:endParaRPr sz="3200" dirty="0">
+              <a:latin typeface="Bahnschrift" panose="020B0502040204020203" pitchFamily="34" charset="0"/>
+            </a:endParaRPr>
           </a:p>
           <a:p>
             <a:pPr marL="228600" lvl="0" indent="-228600" algn="l" rtl="0">
@@ -9695,10 +9951,14 @@
               <a:buChar char="•"/>
             </a:pPr>
             <a:r>
-              <a:rPr lang="ru-RU" sz="3200"/>
+              <a:rPr lang="ru-RU" sz="3200" dirty="0" err="1">
+                <a:latin typeface="Bahnschrift" panose="020B0502040204020203" pitchFamily="34" charset="0"/>
+              </a:rPr>
               <a:t>Unity</a:t>
             </a:r>
-            <a:endParaRPr sz="3200"/>
+            <a:endParaRPr sz="3200" dirty="0">
+              <a:latin typeface="Bahnschrift" panose="020B0502040204020203" pitchFamily="34" charset="0"/>
+            </a:endParaRPr>
           </a:p>
         </p:txBody>
       </p:sp>
@@ -9762,13 +10022,13 @@
           <a:blip r:embed="rId3">
             <a:alphaModFix/>
           </a:blip>
-          <a:srcRect/>
+          <a:srcRect t="1023" r="691"/>
           <a:stretch/>
         </p:blipFill>
         <p:spPr>
           <a:xfrm>
-            <a:off x="3807156" y="1608282"/>
-            <a:ext cx="7869230" cy="4572660"/>
+            <a:off x="3807156" y="1655064"/>
+            <a:ext cx="7814868" cy="4525878"/>
           </a:xfrm>
           <a:prstGeom prst="rect">
             <a:avLst/>
@@ -9816,7 +10076,7 @@
         </p:nvSpPr>
         <p:spPr>
           <a:xfrm>
-            <a:off x="181434" y="551071"/>
+            <a:off x="346026" y="370119"/>
             <a:ext cx="10515600" cy="951665"/>
           </a:xfrm>
           <a:prstGeom prst="rect">
@@ -9851,10 +10111,14 @@
               <a:buNone/>
             </a:pPr>
             <a:r>
-              <a:rPr lang="ru-RU" sz="6000" dirty="0"/>
+              <a:rPr lang="ru-RU" sz="6000" dirty="0">
+                <a:latin typeface="Corbel" panose="020B0503020204020204" pitchFamily="34" charset="0"/>
+              </a:rPr>
               <a:t>Диаграмма состояний</a:t>
             </a:r>
-            <a:endParaRPr dirty="0"/>
+            <a:endParaRPr dirty="0">
+              <a:latin typeface="Corbel" panose="020B0503020204020204" pitchFamily="34" charset="0"/>
+            </a:endParaRPr>
           </a:p>
         </p:txBody>
       </p:sp>
@@ -10257,10 +10521,14 @@
               <a:buNone/>
             </a:pPr>
             <a:r>
-              <a:rPr lang="ru-RU" sz="6000"/>
+              <a:rPr lang="ru-RU" sz="6000" dirty="0">
+                <a:latin typeface="Corbel" panose="020B0503020204020204" pitchFamily="34" charset="0"/>
+              </a:rPr>
               <a:t>Правила игры</a:t>
             </a:r>
-            <a:endParaRPr/>
+            <a:endParaRPr dirty="0">
+              <a:latin typeface="Corbel" panose="020B0503020204020204" pitchFamily="34" charset="0"/>
+            </a:endParaRPr>
           </a:p>
         </p:txBody>
       </p:sp>
@@ -10306,10 +10574,14 @@
               <a:buChar char="•"/>
             </a:pPr>
             <a:r>
-              <a:rPr lang="ru-RU" sz="3200"/>
+              <a:rPr lang="ru-RU" sz="3200" dirty="0">
+                <a:latin typeface="Bahnschrift" panose="020B0502040204020203" pitchFamily="34" charset="0"/>
+              </a:rPr>
               <a:t>При запуске игры, игрок сразу начинает новую игру</a:t>
             </a:r>
-            <a:endParaRPr/>
+            <a:endParaRPr dirty="0">
+              <a:latin typeface="Bahnschrift" panose="020B0502040204020203" pitchFamily="34" charset="0"/>
+            </a:endParaRPr>
           </a:p>
           <a:p>
             <a:pPr marL="228600" lvl="0" indent="-228600" algn="l" rtl="0">
@@ -10329,10 +10601,14 @@
               <a:buChar char="•"/>
             </a:pPr>
             <a:r>
-              <a:rPr lang="ru-RU" sz="3200"/>
+              <a:rPr lang="ru-RU" sz="3200" dirty="0">
+                <a:latin typeface="Bahnschrift" panose="020B0502040204020203" pitchFamily="34" charset="0"/>
+              </a:rPr>
               <a:t>Сложность игры увеличивается</a:t>
             </a:r>
-            <a:endParaRPr/>
+            <a:endParaRPr dirty="0">
+              <a:latin typeface="Bahnschrift" panose="020B0502040204020203" pitchFamily="34" charset="0"/>
+            </a:endParaRPr>
           </a:p>
           <a:p>
             <a:pPr marL="228600" lvl="0" indent="-228600" algn="l" rtl="0">
@@ -10352,10 +10628,14 @@
               <a:buChar char="•"/>
             </a:pPr>
             <a:r>
-              <a:rPr lang="ru-RU" sz="3200"/>
+              <a:rPr lang="ru-RU" sz="3200" dirty="0">
+                <a:latin typeface="Bahnschrift" panose="020B0502040204020203" pitchFamily="34" charset="0"/>
+              </a:rPr>
               <a:t>Каждый раз после смерти игрок будет заново начинать игру. Выход из игры также считается смертью</a:t>
             </a:r>
-            <a:endParaRPr/>
+            <a:endParaRPr dirty="0">
+              <a:latin typeface="Bahnschrift" panose="020B0502040204020203" pitchFamily="34" charset="0"/>
+            </a:endParaRPr>
           </a:p>
           <a:p>
             <a:pPr marL="228600" lvl="0" indent="-228600" algn="l" rtl="0">
@@ -10375,10 +10655,14 @@
               <a:buChar char="•"/>
             </a:pPr>
             <a:r>
-              <a:rPr lang="ru-RU" sz="3200"/>
+              <a:rPr lang="ru-RU" sz="3200" dirty="0">
+                <a:latin typeface="Bahnschrift" panose="020B0502040204020203" pitchFamily="34" charset="0"/>
+              </a:rPr>
               <a:t>Игра не имеет конца</a:t>
             </a:r>
-            <a:endParaRPr/>
+            <a:endParaRPr dirty="0">
+              <a:latin typeface="Bahnschrift" panose="020B0502040204020203" pitchFamily="34" charset="0"/>
+            </a:endParaRPr>
           </a:p>
         </p:txBody>
       </p:sp>

--- a/Б9121_09_03_03пикд_команда_4_презентация.pptx
+++ b/Б9121_09_03_03пикд_команда_4_презентация.pptx
@@ -10122,37 +10122,6 @@
           </a:p>
         </p:txBody>
       </p:sp>
-      <p:pic>
-        <p:nvPicPr>
-          <p:cNvPr id="156" name="Google Shape;156;p8"/>
-          <p:cNvPicPr preferRelativeResize="0">
-            <a:picLocks noGrp="1"/>
-          </p:cNvPicPr>
-          <p:nvPr>
-            <p:ph idx="1"/>
-          </p:nvPr>
-        </p:nvPicPr>
-        <p:blipFill rotWithShape="1">
-          <a:blip r:embed="rId3">
-            <a:alphaModFix/>
-          </a:blip>
-          <a:srcRect r="5739"/>
-          <a:stretch/>
-        </p:blipFill>
-        <p:spPr>
-          <a:xfrm>
-            <a:off x="181434" y="1880066"/>
-            <a:ext cx="4412337" cy="2596577"/>
-          </a:xfrm>
-          <a:prstGeom prst="rect">
-            <a:avLst/>
-          </a:prstGeom>
-          <a:noFill/>
-          <a:ln>
-            <a:noFill/>
-          </a:ln>
-        </p:spPr>
-      </p:pic>
       <p:sp>
         <p:nvSpPr>
           <p:cNvPr id="154" name="Google Shape;154;p8"/>
@@ -10205,37 +10174,70 @@
       </p:sp>
       <p:pic>
         <p:nvPicPr>
-          <p:cNvPr id="155" name="Google Shape;155;p8"/>
-          <p:cNvPicPr preferRelativeResize="0"/>
+          <p:cNvPr id="3" name="Рисунок 2" descr="Изображение выглядит как текст, снимок экрана, Мультимедийное программное обеспечение&#10;&#10;Автоматически созданное описание">
+            <a:extLst>
+              <a:ext uri="{FF2B5EF4-FFF2-40B4-BE49-F238E27FC236}">
+                <a16:creationId xmlns:a16="http://schemas.microsoft.com/office/drawing/2014/main" id="{AF9FAEDA-A420-E0DF-40DA-DDD0A3F9A45F}"/>
+              </a:ext>
+            </a:extLst>
+          </p:cNvPr>
+          <p:cNvPicPr>
+            <a:picLocks noChangeAspect="1"/>
+          </p:cNvPicPr>
           <p:nvPr/>
         </p:nvPicPr>
-        <p:blipFill rotWithShape="1">
-          <a:blip r:embed="rId4">
-            <a:alphaModFix/>
-          </a:blip>
-          <a:srcRect/>
-          <a:stretch/>
+        <p:blipFill>
+          <a:blip r:embed="rId3"/>
+          <a:stretch>
+            <a:fillRect/>
+          </a:stretch>
         </p:blipFill>
         <p:spPr>
           <a:xfrm>
-            <a:off x="3981270" y="3887363"/>
-            <a:ext cx="4412337" cy="2452463"/>
+            <a:off x="7776031" y="2013112"/>
+            <a:ext cx="4412338" cy="2463531"/>
           </a:xfrm>
           <a:prstGeom prst="rect">
             <a:avLst/>
           </a:prstGeom>
-          <a:noFill/>
-          <a:ln>
-            <a:noFill/>
-          </a:ln>
         </p:spPr>
       </p:pic>
       <p:pic>
         <p:nvPicPr>
-          <p:cNvPr id="3" name="Рисунок 2" descr="Изображение выглядит как текст, снимок экрана, Мультимедийное программное обеспечение&#10;&#10;Автоматически созданное описание">
+          <p:cNvPr id="6" name="Рисунок 5">
             <a:extLst>
               <a:ext uri="{FF2B5EF4-FFF2-40B4-BE49-F238E27FC236}">
-                <a16:creationId xmlns:a16="http://schemas.microsoft.com/office/drawing/2014/main" id="{AF9FAEDA-A420-E0DF-40DA-DDD0A3F9A45F}"/>
+                <a16:creationId xmlns:a16="http://schemas.microsoft.com/office/drawing/2014/main" id="{27541CD7-3E5E-B498-C97A-DA57B9E008BD}"/>
+              </a:ext>
+            </a:extLst>
+          </p:cNvPr>
+          <p:cNvPicPr>
+            <a:picLocks noChangeAspect="1"/>
+          </p:cNvPicPr>
+          <p:nvPr/>
+        </p:nvPicPr>
+        <p:blipFill>
+          <a:blip r:embed="rId4"/>
+          <a:stretch>
+            <a:fillRect/>
+          </a:stretch>
+        </p:blipFill>
+        <p:spPr>
+          <a:xfrm>
+            <a:off x="181433" y="1880066"/>
+            <a:ext cx="4628995" cy="2596577"/>
+          </a:xfrm>
+          <a:prstGeom prst="rect">
+            <a:avLst/>
+          </a:prstGeom>
+        </p:spPr>
+      </p:pic>
+      <p:pic>
+        <p:nvPicPr>
+          <p:cNvPr id="4" name="Рисунок 3">
+            <a:extLst>
+              <a:ext uri="{FF2B5EF4-FFF2-40B4-BE49-F238E27FC236}">
+                <a16:creationId xmlns:a16="http://schemas.microsoft.com/office/drawing/2014/main" id="{6CEFB033-57A7-205F-8884-98B45B69455D}"/>
               </a:ext>
             </a:extLst>
           </p:cNvPr>
@@ -10252,8 +10254,8 @@
         </p:blipFill>
         <p:spPr>
           <a:xfrm>
-            <a:off x="7776031" y="2013112"/>
-            <a:ext cx="4412338" cy="2463531"/>
+            <a:off x="3978732" y="3797402"/>
+            <a:ext cx="4412338" cy="2475046"/>
           </a:xfrm>
           <a:prstGeom prst="rect">
             <a:avLst/>
@@ -10299,7 +10301,7 @@
                                           </p:stCondLst>
                                         </p:cTn>
                                         <p:tgtEl>
-                                          <p:spTgt spid="155"/>
+                                          <p:spTgt spid="3"/>
                                         </p:tgtEl>
                                         <p:attrNameLst>
                                           <p:attrName>style.visibility</p:attrName>
@@ -10312,112 +10314,6 @@
                                     <p:animEffect transition="in" filter="fade">
                                       <p:cBhvr>
                                         <p:cTn id="7" dur="500"/>
-                                        <p:tgtEl>
-                                          <p:spTgt spid="155"/>
-                                        </p:tgtEl>
-                                      </p:cBhvr>
-                                    </p:animEffect>
-                                  </p:childTnLst>
-                                </p:cTn>
-                              </p:par>
-                            </p:childTnLst>
-                          </p:cTn>
-                        </p:par>
-                      </p:childTnLst>
-                    </p:cTn>
-                  </p:par>
-                  <p:par>
-                    <p:cTn id="8" fill="hold">
-                      <p:stCondLst>
-                        <p:cond delay="indefinite"/>
-                      </p:stCondLst>
-                      <p:childTnLst>
-                        <p:par>
-                          <p:cTn id="9" fill="hold">
-                            <p:stCondLst>
-                              <p:cond delay="0"/>
-                            </p:stCondLst>
-                            <p:childTnLst>
-                              <p:par>
-                                <p:cTn id="10" presetID="10" presetClass="entr" presetSubtype="0" fill="hold" nodeType="clickEffect">
-                                  <p:stCondLst>
-                                    <p:cond delay="0"/>
-                                  </p:stCondLst>
-                                  <p:childTnLst>
-                                    <p:set>
-                                      <p:cBhvr>
-                                        <p:cTn id="11" dur="1" fill="hold">
-                                          <p:stCondLst>
-                                            <p:cond delay="0"/>
-                                          </p:stCondLst>
-                                        </p:cTn>
-                                        <p:tgtEl>
-                                          <p:spTgt spid="156"/>
-                                        </p:tgtEl>
-                                        <p:attrNameLst>
-                                          <p:attrName>style.visibility</p:attrName>
-                                        </p:attrNameLst>
-                                      </p:cBhvr>
-                                      <p:to>
-                                        <p:strVal val="visible"/>
-                                      </p:to>
-                                    </p:set>
-                                    <p:animEffect transition="in" filter="fade">
-                                      <p:cBhvr>
-                                        <p:cTn id="12" dur="500"/>
-                                        <p:tgtEl>
-                                          <p:spTgt spid="156"/>
-                                        </p:tgtEl>
-                                      </p:cBhvr>
-                                    </p:animEffect>
-                                  </p:childTnLst>
-                                </p:cTn>
-                              </p:par>
-                            </p:childTnLst>
-                          </p:cTn>
-                        </p:par>
-                      </p:childTnLst>
-                    </p:cTn>
-                  </p:par>
-                  <p:par>
-                    <p:cTn id="13" fill="hold">
-                      <p:stCondLst>
-                        <p:cond delay="indefinite"/>
-                      </p:stCondLst>
-                      <p:childTnLst>
-                        <p:par>
-                          <p:cTn id="14" fill="hold">
-                            <p:stCondLst>
-                              <p:cond delay="0"/>
-                            </p:stCondLst>
-                            <p:childTnLst>
-                              <p:par>
-                                <p:cTn id="15" presetID="10" presetClass="entr" presetSubtype="0" fill="hold" nodeType="clickEffect">
-                                  <p:stCondLst>
-                                    <p:cond delay="0"/>
-                                  </p:stCondLst>
-                                  <p:childTnLst>
-                                    <p:set>
-                                      <p:cBhvr>
-                                        <p:cTn id="16" dur="1" fill="hold">
-                                          <p:stCondLst>
-                                            <p:cond delay="0"/>
-                                          </p:stCondLst>
-                                        </p:cTn>
-                                        <p:tgtEl>
-                                          <p:spTgt spid="3"/>
-                                        </p:tgtEl>
-                                        <p:attrNameLst>
-                                          <p:attrName>style.visibility</p:attrName>
-                                        </p:attrNameLst>
-                                      </p:cBhvr>
-                                      <p:to>
-                                        <p:strVal val="visible"/>
-                                      </p:to>
-                                    </p:set>
-                                    <p:animEffect transition="in" filter="fade">
-                                      <p:cBhvr>
-                                        <p:cTn id="17" dur="500"/>
                                         <p:tgtEl>
                                           <p:spTgt spid="3"/>
                                         </p:tgtEl>
